--- a/G2/软件工程系列课程教学辅助网站/非受控文档/温中磊/PRD2017-G2-软件需求规格说明ppt.pptx
+++ b/G2/软件工程系列课程教学辅助网站/非受控文档/温中磊/PRD2017-G2-软件需求规格说明ppt.pptx
@@ -8381,66 +8381,26 @@
       </p:grpSp>
       <p:pic>
         <p:nvPicPr>
-          <p:cNvPr id="4098" name="Picture 2"/>
+          <p:cNvPr id="4" name="图片 3"/>
           <p:cNvPicPr>
-            <a:picLocks noChangeAspect="1" noChangeArrowheads="1"/>
+            <a:picLocks noChangeAspect="1"/>
           </p:cNvPicPr>
           <p:nvPr/>
         </p:nvPicPr>
         <p:blipFill>
-          <a:blip r:embed="rId2">
-            <a:extLst>
-              <a:ext uri="{28A0092B-C50C-407E-A947-70E740481C1C}">
-                <a14:useLocalDpi xmlns:a14="http://schemas.microsoft.com/office/drawing/2010/main" val="0"/>
-              </a:ext>
-            </a:extLst>
-          </a:blip>
-          <a:srcRect/>
+          <a:blip r:embed="rId2"/>
           <a:stretch>
             <a:fillRect/>
           </a:stretch>
         </p:blipFill>
-        <p:spPr bwMode="auto">
+        <p:spPr>
           <a:xfrm>
-            <a:off x="2927350" y="936277"/>
-            <a:ext cx="6337300" cy="5797550"/>
+            <a:off x="1309370" y="885825"/>
+            <a:ext cx="9333230" cy="5859145"/>
           </a:xfrm>
           <a:prstGeom prst="rect">
             <a:avLst/>
           </a:prstGeom>
-          <a:noFill/>
-          <a:ln>
-            <a:noFill/>
-          </a:ln>
-          <a:effectLst/>
-          <a:extLst>
-            <a:ext uri="{909E8E84-426E-40DD-AFC4-6F175D3DCCD1}">
-              <a14:hiddenFill xmlns:a14="http://schemas.microsoft.com/office/drawing/2010/main">
-                <a:solidFill>
-                  <a:schemeClr val="accent1"/>
-                </a:solidFill>
-              </a14:hiddenFill>
-            </a:ext>
-            <a:ext uri="{91240B29-F687-4F45-9708-019B960494DF}">
-              <a14:hiddenLine xmlns:a14="http://schemas.microsoft.com/office/drawing/2010/main" w="9525">
-                <a:solidFill>
-                  <a:schemeClr val="tx1"/>
-                </a:solidFill>
-                <a:miter lim="800000"/>
-                <a:headEnd/>
-                <a:tailEnd/>
-              </a14:hiddenLine>
-            </a:ext>
-            <a:ext uri="{AF507438-7753-43E0-B8FC-AC1667EBCBE1}">
-              <a14:hiddenEffects xmlns:a14="http://schemas.microsoft.com/office/drawing/2010/main">
-                <a:effectLst>
-                  <a:outerShdw dist="35921" dir="2700000" algn="ctr" rotWithShape="0">
-                    <a:schemeClr val="bg2"/>
-                  </a:outerShdw>
-                </a:effectLst>
-              </a14:hiddenEffects>
-            </a:ext>
-          </a:extLst>
         </p:spPr>
       </p:pic>
     </p:spTree>
